--- a/PLPTH813Bioinformatis/2023/lectures/lecture18_closing.pptx
+++ b/PLPTH813Bioinformatis/2023/lectures/lecture18_closing.pptx
@@ -5,18 +5,17 @@
     <p:sldMasterId id="2147483648" r:id="rId1"/>
   </p:sldMasterIdLst>
   <p:notesMasterIdLst>
-    <p:notesMasterId r:id="rId8"/>
+    <p:notesMasterId r:id="rId7"/>
   </p:notesMasterIdLst>
   <p:handoutMasterIdLst>
-    <p:handoutMasterId r:id="rId9"/>
+    <p:handoutMasterId r:id="rId8"/>
   </p:handoutMasterIdLst>
   <p:sldIdLst>
-    <p:sldId id="301" r:id="rId2"/>
-    <p:sldId id="256" r:id="rId3"/>
-    <p:sldId id="258" r:id="rId4"/>
-    <p:sldId id="298" r:id="rId5"/>
-    <p:sldId id="300" r:id="rId6"/>
-    <p:sldId id="299" r:id="rId7"/>
+    <p:sldId id="256" r:id="rId2"/>
+    <p:sldId id="258" r:id="rId3"/>
+    <p:sldId id="298" r:id="rId4"/>
+    <p:sldId id="300" r:id="rId5"/>
+    <p:sldId id="299" r:id="rId6"/>
   </p:sldIdLst>
   <p:sldSz cx="9144000" cy="6858000" type="screen4x3"/>
   <p:notesSz cx="6858000" cy="9144000"/>
@@ -216,7 +215,7 @@
           <a:p>
             <a:fld id="{42D500AB-40DB-3649-A254-E91FF5C008D8}" type="datetimeFigureOut">
               <a:rPr lang="en-US" smtClean="0"/>
-              <a:t>5/5/21</a:t>
+              <a:t>4/27/23</a:t>
             </a:fld>
             <a:endParaRPr lang="en-US"/>
           </a:p>
@@ -382,7 +381,7 @@
           <a:p>
             <a:fld id="{4E54808B-C6D3-4F4E-9F6E-D9149D4F9C09}" type="datetimeFigureOut">
               <a:rPr lang="en-US" smtClean="0"/>
-              <a:t>5/5/21</a:t>
+              <a:t>4/27/23</a:t>
             </a:fld>
             <a:endParaRPr lang="en-US"/>
           </a:p>
@@ -694,7 +693,7 @@
           <a:bodyPr/>
           <a:lstStyle/>
           <a:p>
-            <a:endParaRPr lang="en-US" dirty="0"/>
+            <a:endParaRPr lang="en-US"/>
           </a:p>
         </p:txBody>
       </p:sp>
@@ -724,7 +723,7 @@
     </p:spTree>
     <p:extLst>
       <p:ext uri="{BB962C8B-B14F-4D97-AF65-F5344CB8AC3E}">
-        <p14:creationId xmlns:p14="http://schemas.microsoft.com/office/powerpoint/2010/main" val="3203778530"/>
+        <p14:creationId xmlns:p14="http://schemas.microsoft.com/office/powerpoint/2010/main" val="1503669590"/>
       </p:ext>
     </p:extLst>
   </p:cSld>
@@ -808,7 +807,7 @@
     </p:spTree>
     <p:extLst>
       <p:ext uri="{BB962C8B-B14F-4D97-AF65-F5344CB8AC3E}">
-        <p14:creationId xmlns:p14="http://schemas.microsoft.com/office/powerpoint/2010/main" val="1503669590"/>
+        <p14:creationId xmlns:p14="http://schemas.microsoft.com/office/powerpoint/2010/main" val="2735271869"/>
       </p:ext>
     </p:extLst>
   </p:cSld>
@@ -884,90 +883,6 @@
             <a:fld id="{D718A005-2D3D-9B42-BFBD-F7AF9A8AB4D3}" type="slidenum">
               <a:rPr lang="en-US" smtClean="0"/>
               <a:t>3</a:t>
-            </a:fld>
-            <a:endParaRPr lang="en-US"/>
-          </a:p>
-        </p:txBody>
-      </p:sp>
-    </p:spTree>
-    <p:extLst>
-      <p:ext uri="{BB962C8B-B14F-4D97-AF65-F5344CB8AC3E}">
-        <p14:creationId xmlns:p14="http://schemas.microsoft.com/office/powerpoint/2010/main" val="2735271869"/>
-      </p:ext>
-    </p:extLst>
-  </p:cSld>
-  <p:clrMapOvr>
-    <a:masterClrMapping/>
-  </p:clrMapOvr>
-</p:notes>
-</file>
-
-<file path=ppt/notesSlides/notesSlide4.xml><?xml version="1.0" encoding="utf-8"?>
-<p:notes xmlns:a="http://schemas.openxmlformats.org/drawingml/2006/main" xmlns:r="http://schemas.openxmlformats.org/officeDocument/2006/relationships" xmlns:p="http://schemas.openxmlformats.org/presentationml/2006/main">
-  <p:cSld>
-    <p:spTree>
-      <p:nvGrpSpPr>
-        <p:cNvPr id="1" name=""/>
-        <p:cNvGrpSpPr/>
-        <p:nvPr/>
-      </p:nvGrpSpPr>
-      <p:grpSpPr>
-        <a:xfrm>
-          <a:off x="0" y="0"/>
-          <a:ext cx="0" cy="0"/>
-          <a:chOff x="0" y="0"/>
-          <a:chExt cx="0" cy="0"/>
-        </a:xfrm>
-      </p:grpSpPr>
-      <p:sp>
-        <p:nvSpPr>
-          <p:cNvPr id="2" name="Slide Image Placeholder 1"/>
-          <p:cNvSpPr>
-            <a:spLocks noGrp="1" noRot="1" noChangeAspect="1"/>
-          </p:cNvSpPr>
-          <p:nvPr>
-            <p:ph type="sldImg"/>
-          </p:nvPr>
-        </p:nvSpPr>
-        <p:spPr/>
-      </p:sp>
-      <p:sp>
-        <p:nvSpPr>
-          <p:cNvPr id="3" name="Notes Placeholder 2"/>
-          <p:cNvSpPr>
-            <a:spLocks noGrp="1"/>
-          </p:cNvSpPr>
-          <p:nvPr>
-            <p:ph type="body" idx="1"/>
-          </p:nvPr>
-        </p:nvSpPr>
-        <p:spPr/>
-        <p:txBody>
-          <a:bodyPr/>
-          <a:lstStyle/>
-          <a:p>
-            <a:endParaRPr lang="en-US"/>
-          </a:p>
-        </p:txBody>
-      </p:sp>
-      <p:sp>
-        <p:nvSpPr>
-          <p:cNvPr id="4" name="Slide Number Placeholder 3"/>
-          <p:cNvSpPr>
-            <a:spLocks noGrp="1"/>
-          </p:cNvSpPr>
-          <p:nvPr>
-            <p:ph type="sldNum" sz="quarter" idx="5"/>
-          </p:nvPr>
-        </p:nvSpPr>
-        <p:spPr/>
-        <p:txBody>
-          <a:bodyPr/>
-          <a:lstStyle/>
-          <a:p>
-            <a:fld id="{D718A005-2D3D-9B42-BFBD-F7AF9A8AB4D3}" type="slidenum">
-              <a:rPr lang="en-US" smtClean="0"/>
-              <a:t>4</a:t>
             </a:fld>
             <a:endParaRPr lang="en-US"/>
           </a:p>
@@ -1165,7 +1080,7 @@
           <a:p>
             <a:fld id="{174635AB-F2BA-5949-B83E-329EC452D42A}" type="datetime1">
               <a:rPr lang="en-US" smtClean="0"/>
-              <a:t>5/5/21</a:t>
+              <a:t>4/27/23</a:t>
             </a:fld>
             <a:endParaRPr lang="en-US"/>
           </a:p>
@@ -1333,7 +1248,7 @@
           <a:p>
             <a:fld id="{A82D81A9-3597-9941-8C4D-52E6D9EC7550}" type="datetime1">
               <a:rPr lang="en-US" smtClean="0"/>
-              <a:t>5/5/21</a:t>
+              <a:t>4/27/23</a:t>
             </a:fld>
             <a:endParaRPr lang="en-US"/>
           </a:p>
@@ -1511,7 +1426,7 @@
           <a:p>
             <a:fld id="{68CABB9B-C3AA-7749-89C6-E32B590214A2}" type="datetime1">
               <a:rPr lang="en-US" smtClean="0"/>
-              <a:t>5/5/21</a:t>
+              <a:t>4/27/23</a:t>
             </a:fld>
             <a:endParaRPr lang="en-US"/>
           </a:p>
@@ -1679,7 +1594,7 @@
           <a:p>
             <a:fld id="{B7382B88-27CB-174D-86CB-5F5162996DC4}" type="datetime1">
               <a:rPr lang="en-US" smtClean="0"/>
-              <a:t>5/5/21</a:t>
+              <a:t>4/27/23</a:t>
             </a:fld>
             <a:endParaRPr lang="en-US"/>
           </a:p>
@@ -1924,7 +1839,7 @@
           <a:p>
             <a:fld id="{DFBF93A4-51B8-184E-9CDC-32F14663D043}" type="datetime1">
               <a:rPr lang="en-US" smtClean="0"/>
-              <a:t>5/5/21</a:t>
+              <a:t>4/27/23</a:t>
             </a:fld>
             <a:endParaRPr lang="en-US"/>
           </a:p>
@@ -2209,7 +2124,7 @@
           <a:p>
             <a:fld id="{3F9EB62F-79A6-834F-AF89-47B413EFCD00}" type="datetime1">
               <a:rPr lang="en-US" smtClean="0"/>
-              <a:t>5/5/21</a:t>
+              <a:t>4/27/23</a:t>
             </a:fld>
             <a:endParaRPr lang="en-US"/>
           </a:p>
@@ -2628,7 +2543,7 @@
           <a:p>
             <a:fld id="{C98F3F0A-8441-A94E-9DFE-B2F200159960}" type="datetime1">
               <a:rPr lang="en-US" smtClean="0"/>
-              <a:t>5/5/21</a:t>
+              <a:t>4/27/23</a:t>
             </a:fld>
             <a:endParaRPr lang="en-US"/>
           </a:p>
@@ -2745,7 +2660,7 @@
           <a:p>
             <a:fld id="{2D13F390-AFCB-6B4C-A073-93A0E3CE1A2E}" type="datetime1">
               <a:rPr lang="en-US" smtClean="0"/>
-              <a:t>5/5/21</a:t>
+              <a:t>4/27/23</a:t>
             </a:fld>
             <a:endParaRPr lang="en-US"/>
           </a:p>
@@ -2840,7 +2755,7 @@
           <a:p>
             <a:fld id="{6BF3EFF7-B6EC-5E47-A88C-510064A0B03C}" type="datetime1">
               <a:rPr lang="en-US" smtClean="0"/>
-              <a:t>5/5/21</a:t>
+              <a:t>4/27/23</a:t>
             </a:fld>
             <a:endParaRPr lang="en-US"/>
           </a:p>
@@ -3115,7 +3030,7 @@
           <a:p>
             <a:fld id="{F9FDD7BC-4D9B-A741-A024-274455EB2340}" type="datetime1">
               <a:rPr lang="en-US" smtClean="0"/>
-              <a:t>5/5/21</a:t>
+              <a:t>4/27/23</a:t>
             </a:fld>
             <a:endParaRPr lang="en-US"/>
           </a:p>
@@ -3367,7 +3282,7 @@
           <a:p>
             <a:fld id="{10403580-C820-594B-9A85-E3EBC615AD0A}" type="datetime1">
               <a:rPr lang="en-US" smtClean="0"/>
-              <a:t>5/5/21</a:t>
+              <a:t>4/27/23</a:t>
             </a:fld>
             <a:endParaRPr lang="en-US"/>
           </a:p>
@@ -3578,7 +3493,7 @@
           <a:p>
             <a:fld id="{7D4D473E-7391-144A-9568-07F2D66BB230}" type="datetime1">
               <a:rPr lang="en-US" smtClean="0"/>
-              <a:t>5/5/21</a:t>
+              <a:t>4/27/23</a:t>
             </a:fld>
             <a:endParaRPr lang="en-US"/>
           </a:p>
@@ -3956,243 +3871,174 @@
       </p:grpSpPr>
       <p:sp>
         <p:nvSpPr>
-          <p:cNvPr id="2" name="Title 1">
-            <a:extLst>
-              <a:ext uri="{FF2B5EF4-FFF2-40B4-BE49-F238E27FC236}">
-                <a16:creationId xmlns:a16="http://schemas.microsoft.com/office/drawing/2014/main" id="{72934B15-7A50-C944-A6BE-7327094A71C4}"/>
-              </a:ext>
-            </a:extLst>
-          </p:cNvPr>
-          <p:cNvSpPr>
-            <a:spLocks noGrp="1"/>
-          </p:cNvSpPr>
-          <p:nvPr>
-            <p:ph type="title"/>
-          </p:nvPr>
-        </p:nvSpPr>
-        <p:spPr/>
+          <p:cNvPr id="2" name="Title 1"/>
+          <p:cNvSpPr>
+            <a:spLocks noGrp="1"/>
+          </p:cNvSpPr>
+          <p:nvPr>
+            <p:ph type="ctrTitle"/>
+          </p:nvPr>
+        </p:nvSpPr>
+        <p:spPr>
+          <a:xfrm>
+            <a:off x="685800" y="1841411"/>
+            <a:ext cx="7772400" cy="1868508"/>
+          </a:xfrm>
+        </p:spPr>
         <p:txBody>
           <a:bodyPr>
             <a:normAutofit/>
           </a:bodyPr>
           <a:lstStyle/>
           <a:p>
-            <a:r>
-              <a:rPr lang="en-US" sz="3600" dirty="0"/>
-              <a:t>Project Presentation – Day 2</a:t>
-            </a:r>
-          </a:p>
-        </p:txBody>
-      </p:sp>
-      <p:sp>
-        <p:nvSpPr>
-          <p:cNvPr id="3" name="Content Placeholder 2">
-            <a:extLst>
-              <a:ext uri="{FF2B5EF4-FFF2-40B4-BE49-F238E27FC236}">
-                <a16:creationId xmlns:a16="http://schemas.microsoft.com/office/drawing/2014/main" id="{7B395825-B6E1-1F40-AB31-95A28D3EC5D1}"/>
-              </a:ext>
-            </a:extLst>
-          </p:cNvPr>
-          <p:cNvSpPr>
-            <a:spLocks noGrp="1"/>
-          </p:cNvSpPr>
-          <p:nvPr>
-            <p:ph idx="1"/>
+            <a:br>
+              <a:rPr lang="en-US" sz="3200" b="0" i="0" dirty="0">
+                <a:latin typeface="Calibri Light" panose="020F0302020204030204" pitchFamily="34" charset="0"/>
+                <a:cs typeface="Calibri Light" panose="020F0302020204030204" pitchFamily="34" charset="0"/>
+              </a:rPr>
+            </a:br>
+            <a:br>
+              <a:rPr lang="en-US" sz="2800" b="0" i="0" dirty="0">
+                <a:latin typeface="Calibri Light" panose="020F0302020204030204" pitchFamily="34" charset="0"/>
+                <a:cs typeface="Calibri Light" panose="020F0302020204030204" pitchFamily="34" charset="0"/>
+              </a:rPr>
+            </a:br>
+            <a:r>
+              <a:rPr lang="en-US" b="0" i="0" dirty="0">
+                <a:latin typeface="Calibri Light" panose="020F0302020204030204" pitchFamily="34" charset="0"/>
+                <a:cs typeface="Calibri Light" panose="020F0302020204030204" pitchFamily="34" charset="0"/>
+              </a:rPr>
+              <a:t>Bioinformatics Applications (PLPTH813)</a:t>
+            </a:r>
+          </a:p>
+        </p:txBody>
+      </p:sp>
+      <p:sp>
+        <p:nvSpPr>
+          <p:cNvPr id="3" name="Subtitle 2"/>
+          <p:cNvSpPr>
+            <a:spLocks noGrp="1"/>
+          </p:cNvSpPr>
+          <p:nvPr>
+            <p:ph type="subTitle" idx="1"/>
           </p:nvPr>
         </p:nvSpPr>
         <p:spPr>
           <a:xfrm>
-            <a:off x="1078705" y="1470600"/>
-            <a:ext cx="7179469" cy="4885750"/>
+            <a:off x="1424516" y="4120532"/>
+            <a:ext cx="6400800" cy="1752600"/>
           </a:xfrm>
         </p:spPr>
         <p:txBody>
           <a:bodyPr>
-            <a:normAutofit lnSpcReduction="10000"/>
+            <a:normAutofit/>
           </a:bodyPr>
           <a:lstStyle/>
           <a:p>
-            <a:pPr marL="0" indent="0">
-              <a:buNone/>
-            </a:pPr>
-            <a:r>
-              <a:rPr lang="en-US" sz="2800" dirty="0">
-                <a:latin typeface="Courier" pitchFamily="2" charset="0"/>
+            <a:r>
+              <a:rPr lang="en-US" sz="2800" b="0" i="0" dirty="0">
+                <a:latin typeface="Calibri Light" panose="020F0302020204030204" pitchFamily="34" charset="0"/>
+                <a:cs typeface="Calibri Light" panose="020F0302020204030204" pitchFamily="34" charset="0"/>
               </a:rPr>
-              <a:t>10:35-10:50 Ben Wiens</a:t>
+              <a:t>Sanzhen Liu</a:t>
+            </a:r>
+          </a:p>
+          <a:p>
+            <a:endParaRPr lang="en-US" sz="2800" b="0" i="0" dirty="0">
+              <a:latin typeface="Calibri Light" panose="020F0302020204030204" pitchFamily="34" charset="0"/>
+              <a:cs typeface="Calibri Light" panose="020F0302020204030204" pitchFamily="34" charset="0"/>
+            </a:endParaRPr>
+          </a:p>
+          <a:p>
+            <a:r>
+              <a:rPr lang="en-US" sz="2800" b="0" i="0" dirty="0">
+                <a:latin typeface="Calibri Light" panose="020F0302020204030204" pitchFamily="34" charset="0"/>
+                <a:cs typeface="Calibri Light" panose="020F0302020204030204" pitchFamily="34" charset="0"/>
+              </a:rPr>
+              <a:t>5/4/2023</a:t>
+            </a:r>
+          </a:p>
+        </p:txBody>
+      </p:sp>
+      <p:sp>
+        <p:nvSpPr>
+          <p:cNvPr id="4" name="Title 1"/>
+          <p:cNvSpPr txBox="1">
+            <a:spLocks/>
+          </p:cNvSpPr>
+          <p:nvPr/>
+        </p:nvSpPr>
+        <p:spPr>
+          <a:xfrm>
+            <a:off x="387343" y="563309"/>
+            <a:ext cx="8369314" cy="1072795"/>
+          </a:xfrm>
+          <a:prstGeom prst="rect">
+            <a:avLst/>
+          </a:prstGeom>
+        </p:spPr>
+        <p:txBody>
+          <a:bodyPr vert="horz" lIns="91440" tIns="45720" rIns="91440" bIns="45720" rtlCol="0" anchor="ctr">
+            <a:noAutofit/>
+          </a:bodyPr>
+          <a:lstStyle>
+            <a:lvl1pPr algn="ctr" defTabSz="457200" rtl="0" eaLnBrk="1" latinLnBrk="0" hangingPunct="1">
+              <a:spcBef>
+                <a:spcPct val="0"/>
+              </a:spcBef>
+              <a:buNone/>
+              <a:defRPr sz="2800" kern="1200">
+                <a:solidFill>
+                  <a:schemeClr val="tx1"/>
+                </a:solidFill>
+                <a:latin typeface="+mj-lt"/>
+                <a:ea typeface="+mj-ea"/>
+                <a:cs typeface="+mj-cs"/>
+              </a:defRPr>
+            </a:lvl1pPr>
+          </a:lstStyle>
+          <a:p>
+            <a:r>
+              <a:rPr lang="en-US" dirty="0">
+                <a:solidFill>
+                  <a:schemeClr val="accent6">
+                    <a:lumMod val="75000"/>
+                  </a:schemeClr>
+                </a:solidFill>
+                <a:latin typeface="Chalkduster"/>
+                <a:cs typeface="Chalkduster"/>
+              </a:rPr>
+              <a:t>Bioinformatics Applications</a:t>
             </a:r>
             <a:br>
-              <a:rPr lang="en-US" sz="2800" dirty="0">
-                <a:latin typeface="Courier" pitchFamily="2" charset="0"/>
+              <a:rPr lang="en-US" dirty="0">
+                <a:solidFill>
+                  <a:schemeClr val="accent6">
+                    <a:lumMod val="75000"/>
+                  </a:schemeClr>
+                </a:solidFill>
+                <a:latin typeface="Chalkduster"/>
+                <a:cs typeface="Chalkduster"/>
               </a:rPr>
             </a:br>
             <a:r>
-              <a:rPr lang="en-US" sz="2800" dirty="0">
-                <a:latin typeface="Courier" pitchFamily="2" charset="0"/>
+              <a:rPr lang="en-US" dirty="0">
+                <a:solidFill>
+                  <a:schemeClr val="accent6">
+                    <a:lumMod val="75000"/>
+                  </a:schemeClr>
+                </a:solidFill>
+                <a:latin typeface="Chalkduster"/>
+                <a:cs typeface="Chalkduster"/>
               </a:rPr>
-              <a:t>10:50-11:05 Tyler </a:t>
-            </a:r>
-            <a:r>
-              <a:rPr lang="en-US" sz="2800" dirty="0" err="1">
-                <a:latin typeface="Courier" pitchFamily="2" charset="0"/>
-              </a:rPr>
-              <a:t>Suelter</a:t>
-            </a:r>
-            <a:br>
-              <a:rPr lang="en-US" sz="2800" dirty="0">
-                <a:latin typeface="Courier" pitchFamily="2" charset="0"/>
-              </a:rPr>
-            </a:br>
-            <a:r>
-              <a:rPr lang="en-US" sz="2800" dirty="0">
-                <a:latin typeface="Courier" pitchFamily="2" charset="0"/>
-              </a:rPr>
-              <a:t>11:05-11:20 </a:t>
-            </a:r>
-            <a:r>
-              <a:rPr lang="en-US" sz="2800" dirty="0" err="1">
-                <a:latin typeface="Courier" pitchFamily="2" charset="0"/>
-              </a:rPr>
-              <a:t>Ednaldo</a:t>
-            </a:r>
-            <a:r>
-              <a:rPr lang="en-US" sz="2800" dirty="0">
-                <a:latin typeface="Courier" pitchFamily="2" charset="0"/>
-              </a:rPr>
-              <a:t> </a:t>
-            </a:r>
-            <a:r>
-              <a:rPr lang="en-US" sz="2800" dirty="0" err="1">
-                <a:latin typeface="Courier" pitchFamily="2" charset="0"/>
-              </a:rPr>
-              <a:t>Borgato</a:t>
-            </a:r>
-            <a:endParaRPr lang="en-US" sz="2800" dirty="0">
-              <a:latin typeface="Courier" pitchFamily="2" charset="0"/>
-            </a:endParaRPr>
-          </a:p>
-          <a:p>
-            <a:pPr marL="0" indent="0">
-              <a:buNone/>
-            </a:pPr>
-            <a:endParaRPr lang="en-US" sz="2800" dirty="0">
-              <a:latin typeface="Courier" pitchFamily="2" charset="0"/>
-            </a:endParaRPr>
-          </a:p>
-          <a:p>
-            <a:pPr marL="0" indent="0">
-              <a:buNone/>
-            </a:pPr>
-            <a:r>
-              <a:rPr lang="en-US" sz="2800" dirty="0">
-                <a:latin typeface="Courier" pitchFamily="2" charset="0"/>
-              </a:rPr>
-              <a:t>12:30-12:45 </a:t>
-            </a:r>
-            <a:r>
-              <a:rPr lang="en-US" sz="2800" dirty="0" err="1">
-                <a:latin typeface="Courier" pitchFamily="2" charset="0"/>
-              </a:rPr>
-              <a:t>Xiaoting</a:t>
-            </a:r>
-            <a:r>
-              <a:rPr lang="en-US" sz="2800" dirty="0">
-                <a:latin typeface="Courier" pitchFamily="2" charset="0"/>
-              </a:rPr>
-              <a:t> Xu</a:t>
-            </a:r>
-            <a:br>
-              <a:rPr lang="en-US" sz="2800" dirty="0">
-                <a:latin typeface="Courier" pitchFamily="2" charset="0"/>
-              </a:rPr>
-            </a:br>
-            <a:r>
-              <a:rPr lang="en-US" sz="2800" dirty="0">
-                <a:latin typeface="Courier" pitchFamily="2" charset="0"/>
-              </a:rPr>
-              <a:t>12:45-1:00  Molly Jones</a:t>
-            </a:r>
-            <a:br>
-              <a:rPr lang="en-US" sz="2800" dirty="0">
-                <a:latin typeface="Courier" pitchFamily="2" charset="0"/>
-              </a:rPr>
-            </a:br>
-            <a:r>
-              <a:rPr lang="en-US" sz="2800" dirty="0">
-                <a:latin typeface="Courier" pitchFamily="2" charset="0"/>
-              </a:rPr>
-              <a:t>1:00-1:15   Candy Hernandez</a:t>
-            </a:r>
-            <a:br>
-              <a:rPr lang="en-US" sz="2800" dirty="0">
-                <a:latin typeface="Courier" pitchFamily="2" charset="0"/>
-              </a:rPr>
-            </a:br>
-            <a:r>
-              <a:rPr lang="en-US" sz="2800" dirty="0">
-                <a:latin typeface="Courier" pitchFamily="2" charset="0"/>
-              </a:rPr>
-              <a:t>1:15-1:30   Bilal Ahmad</a:t>
-            </a:r>
-            <a:br>
-              <a:rPr lang="en-US" sz="2800" dirty="0">
-                <a:latin typeface="Courier" pitchFamily="2" charset="0"/>
-              </a:rPr>
-            </a:br>
-            <a:r>
-              <a:rPr lang="en-US" sz="2800" dirty="0">
-                <a:latin typeface="Courier" pitchFamily="2" charset="0"/>
-              </a:rPr>
-              <a:t>1:30-1:45   Tommy </a:t>
-            </a:r>
-            <a:r>
-              <a:rPr lang="en-US" sz="2800" dirty="0" err="1">
-                <a:latin typeface="Courier" pitchFamily="2" charset="0"/>
-              </a:rPr>
-              <a:t>Galfano</a:t>
-            </a:r>
-            <a:endParaRPr lang="en-US" sz="2800" dirty="0">
-              <a:latin typeface="Courier" pitchFamily="2" charset="0"/>
-            </a:endParaRPr>
-          </a:p>
-          <a:p>
-            <a:pPr marL="0" indent="0">
-              <a:buNone/>
-            </a:pPr>
-            <a:endParaRPr lang="en-US" sz="2800" dirty="0">
-              <a:latin typeface="Courier" pitchFamily="2" charset="0"/>
-            </a:endParaRPr>
-          </a:p>
-          <a:p>
-            <a:pPr marL="0" indent="0">
-              <a:buNone/>
-            </a:pPr>
-            <a:r>
-              <a:rPr lang="en-US" sz="2800" dirty="0">
-                <a:latin typeface="Courier" pitchFamily="2" charset="0"/>
-              </a:rPr>
-              <a:t>1:45-2:00   closing comments</a:t>
-            </a:r>
-          </a:p>
-          <a:p>
-            <a:pPr marL="0" indent="0">
-              <a:buNone/>
-            </a:pPr>
-            <a:endParaRPr lang="en-US" sz="2800" dirty="0">
-              <a:latin typeface="Courier" pitchFamily="2" charset="0"/>
-            </a:endParaRPr>
-          </a:p>
-        </p:txBody>
-      </p:sp>
-      <p:sp>
-        <p:nvSpPr>
-          <p:cNvPr id="4" name="Slide Number Placeholder 3">
-            <a:extLst>
-              <a:ext uri="{FF2B5EF4-FFF2-40B4-BE49-F238E27FC236}">
-                <a16:creationId xmlns:a16="http://schemas.microsoft.com/office/drawing/2014/main" id="{18F972B0-84F4-0C46-90C8-F43773CD1B48}"/>
-              </a:ext>
-            </a:extLst>
-          </p:cNvPr>
+              <a:t>Spring 2021</a:t>
+            </a:r>
+          </a:p>
+        </p:txBody>
+      </p:sp>
+      <p:sp>
+        <p:nvSpPr>
+          <p:cNvPr id="5" name="Slide Number Placeholder 4"/>
           <p:cNvSpPr>
             <a:spLocks noGrp="1"/>
           </p:cNvSpPr>
@@ -4216,7 +4062,7 @@
     </p:spTree>
     <p:extLst>
       <p:ext uri="{BB962C8B-B14F-4D97-AF65-F5344CB8AC3E}">
-        <p14:creationId xmlns:p14="http://schemas.microsoft.com/office/powerpoint/2010/main" val="1447143244"/>
+        <p14:creationId xmlns:p14="http://schemas.microsoft.com/office/powerpoint/2010/main" val="1195214870"/>
       </p:ext>
     </p:extLst>
   </p:cSld>
@@ -4245,18 +4091,18 @@
       </p:grpSpPr>
       <p:sp>
         <p:nvSpPr>
-          <p:cNvPr id="2" name="Title 1"/>
-          <p:cNvSpPr>
-            <a:spLocks noGrp="1"/>
-          </p:cNvSpPr>
-          <p:nvPr>
-            <p:ph type="ctrTitle"/>
+          <p:cNvPr id="4" name="Title 3"/>
+          <p:cNvSpPr>
+            <a:spLocks noGrp="1"/>
+          </p:cNvSpPr>
+          <p:nvPr>
+            <p:ph type="title"/>
           </p:nvPr>
         </p:nvSpPr>
         <p:spPr>
           <a:xfrm>
-            <a:off x="685800" y="1841411"/>
-            <a:ext cx="7772400" cy="1868508"/>
+            <a:off x="457200" y="359321"/>
+            <a:ext cx="8229600" cy="852550"/>
           </a:xfrm>
         </p:spPr>
         <p:txBody>
@@ -4265,154 +4111,68 @@
           </a:bodyPr>
           <a:lstStyle/>
           <a:p>
-            <a:br>
+            <a:r>
               <a:rPr lang="en-US" sz="3200" b="0" i="0" dirty="0">
                 <a:latin typeface="Calibri Light" panose="020F0302020204030204" pitchFamily="34" charset="0"/>
                 <a:cs typeface="Calibri Light" panose="020F0302020204030204" pitchFamily="34" charset="0"/>
               </a:rPr>
-            </a:br>
-            <a:br>
+              <a:t>Goal</a:t>
+            </a:r>
+          </a:p>
+        </p:txBody>
+      </p:sp>
+      <p:sp>
+        <p:nvSpPr>
+          <p:cNvPr id="5" name="Content Placeholder 4"/>
+          <p:cNvSpPr>
+            <a:spLocks noGrp="1"/>
+          </p:cNvSpPr>
+          <p:nvPr>
+            <p:ph idx="1"/>
+          </p:nvPr>
+        </p:nvSpPr>
+        <p:spPr>
+          <a:xfrm>
+            <a:off x="457200" y="1913514"/>
+            <a:ext cx="8370273" cy="2187000"/>
+          </a:xfrm>
+        </p:spPr>
+        <p:txBody>
+          <a:bodyPr>
+            <a:noAutofit/>
+          </a:bodyPr>
+          <a:lstStyle/>
+          <a:p>
+            <a:pPr marL="0" indent="0">
+              <a:buNone/>
+            </a:pPr>
+            <a:r>
               <a:rPr lang="en-US" sz="2800" b="0" i="0" dirty="0">
                 <a:latin typeface="Calibri Light" panose="020F0302020204030204" pitchFamily="34" charset="0"/>
                 <a:cs typeface="Calibri Light" panose="020F0302020204030204" pitchFamily="34" charset="0"/>
               </a:rPr>
-            </a:br>
-            <a:r>
-              <a:rPr lang="en-US" b="0" i="0" dirty="0">
+              <a:t>The goal of this course is to help you to be prepared for next-generation biological research that often generates </a:t>
+            </a:r>
+            <a:r>
+              <a:rPr lang="en-US" sz="2800" b="0" i="1" dirty="0">
                 <a:latin typeface="Calibri Light" panose="020F0302020204030204" pitchFamily="34" charset="0"/>
                 <a:cs typeface="Calibri Light" panose="020F0302020204030204" pitchFamily="34" charset="0"/>
               </a:rPr>
-              <a:t>Bioinformatics Applications (PLPTH813)</a:t>
-            </a:r>
-          </a:p>
-        </p:txBody>
-      </p:sp>
-      <p:sp>
-        <p:nvSpPr>
-          <p:cNvPr id="3" name="Subtitle 2"/>
-          <p:cNvSpPr>
-            <a:spLocks noGrp="1"/>
-          </p:cNvSpPr>
-          <p:nvPr>
-            <p:ph type="subTitle" idx="1"/>
-          </p:nvPr>
-        </p:nvSpPr>
-        <p:spPr>
-          <a:xfrm>
-            <a:off x="1424516" y="4120532"/>
-            <a:ext cx="6400800" cy="1752600"/>
-          </a:xfrm>
-        </p:spPr>
-        <p:txBody>
-          <a:bodyPr>
-            <a:normAutofit/>
-          </a:bodyPr>
-          <a:lstStyle/>
-          <a:p>
+              <a:t>large data </a:t>
+            </a:r>
             <a:r>
               <a:rPr lang="en-US" sz="2800" b="0" i="0" dirty="0">
                 <a:latin typeface="Calibri Light" panose="020F0302020204030204" pitchFamily="34" charset="0"/>
                 <a:cs typeface="Calibri Light" panose="020F0302020204030204" pitchFamily="34" charset="0"/>
               </a:rPr>
-              <a:t>Sanzhen Liu</a:t>
-            </a:r>
-          </a:p>
-          <a:p>
-            <a:endParaRPr lang="en-US" sz="2800" b="0" i="0" dirty="0">
-              <a:latin typeface="Calibri Light" panose="020F0302020204030204" pitchFamily="34" charset="0"/>
-              <a:cs typeface="Calibri Light" panose="020F0302020204030204" pitchFamily="34" charset="0"/>
-            </a:endParaRPr>
-          </a:p>
-          <a:p>
-            <a:r>
-              <a:rPr lang="en-US" sz="2800" b="0" i="0" dirty="0">
-                <a:latin typeface="Calibri Light" panose="020F0302020204030204" pitchFamily="34" charset="0"/>
-                <a:cs typeface="Calibri Light" panose="020F0302020204030204" pitchFamily="34" charset="0"/>
-              </a:rPr>
-              <a:t>5/6/2021</a:t>
-            </a:r>
-          </a:p>
-        </p:txBody>
-      </p:sp>
-      <p:sp>
-        <p:nvSpPr>
-          <p:cNvPr id="4" name="Title 1"/>
-          <p:cNvSpPr txBox="1">
-            <a:spLocks/>
-          </p:cNvSpPr>
-          <p:nvPr/>
-        </p:nvSpPr>
-        <p:spPr>
-          <a:xfrm>
-            <a:off x="387343" y="563309"/>
-            <a:ext cx="8369314" cy="1072795"/>
-          </a:xfrm>
-          <a:prstGeom prst="rect">
-            <a:avLst/>
-          </a:prstGeom>
-        </p:spPr>
-        <p:txBody>
-          <a:bodyPr vert="horz" lIns="91440" tIns="45720" rIns="91440" bIns="45720" rtlCol="0" anchor="ctr">
-            <a:noAutofit/>
-          </a:bodyPr>
-          <a:lstStyle>
-            <a:lvl1pPr algn="ctr" defTabSz="457200" rtl="0" eaLnBrk="1" latinLnBrk="0" hangingPunct="1">
-              <a:spcBef>
-                <a:spcPct val="0"/>
-              </a:spcBef>
-              <a:buNone/>
-              <a:defRPr sz="2800" kern="1200">
-                <a:solidFill>
-                  <a:schemeClr val="tx1"/>
-                </a:solidFill>
-                <a:latin typeface="+mj-lt"/>
-                <a:ea typeface="+mj-ea"/>
-                <a:cs typeface="+mj-cs"/>
-              </a:defRPr>
-            </a:lvl1pPr>
-          </a:lstStyle>
-          <a:p>
-            <a:r>
-              <a:rPr lang="en-US" dirty="0">
-                <a:solidFill>
-                  <a:schemeClr val="accent6">
-                    <a:lumMod val="75000"/>
-                  </a:schemeClr>
-                </a:solidFill>
-                <a:latin typeface="Chalkduster"/>
-                <a:cs typeface="Chalkduster"/>
-              </a:rPr>
-              <a:t>Bioinformatics Applications</a:t>
-            </a:r>
-            <a:br>
-              <a:rPr lang="en-US" dirty="0">
-                <a:solidFill>
-                  <a:schemeClr val="accent6">
-                    <a:lumMod val="75000"/>
-                  </a:schemeClr>
-                </a:solidFill>
-                <a:latin typeface="Chalkduster"/>
-                <a:cs typeface="Chalkduster"/>
-              </a:rPr>
-            </a:br>
-            <a:r>
-              <a:rPr lang="en-US" dirty="0">
-                <a:solidFill>
-                  <a:schemeClr val="accent6">
-                    <a:lumMod val="75000"/>
-                  </a:schemeClr>
-                </a:solidFill>
-                <a:latin typeface="Chalkduster"/>
-                <a:cs typeface="Chalkduster"/>
-              </a:rPr>
-              <a:t>Spring 2021</a:t>
-            </a:r>
-          </a:p>
-        </p:txBody>
-      </p:sp>
-      <p:sp>
-        <p:nvSpPr>
-          <p:cNvPr id="5" name="Slide Number Placeholder 4"/>
+              <a:t>and requires researchers to have the capability in data management and data mining.</a:t>
+            </a:r>
+          </a:p>
+        </p:txBody>
+      </p:sp>
+      <p:sp>
+        <p:nvSpPr>
+          <p:cNvPr id="2" name="Slide Number Placeholder 1"/>
           <p:cNvSpPr>
             <a:spLocks noGrp="1"/>
           </p:cNvSpPr>
@@ -4436,7 +4196,7 @@
     </p:spTree>
     <p:extLst>
       <p:ext uri="{BB962C8B-B14F-4D97-AF65-F5344CB8AC3E}">
-        <p14:creationId xmlns:p14="http://schemas.microsoft.com/office/powerpoint/2010/main" val="1195214870"/>
+        <p14:creationId xmlns:p14="http://schemas.microsoft.com/office/powerpoint/2010/main" val="1838263118"/>
       </p:ext>
     </p:extLst>
   </p:cSld>
@@ -4465,7 +4225,7 @@
       </p:grpSpPr>
       <p:sp>
         <p:nvSpPr>
-          <p:cNvPr id="4" name="Title 3"/>
+          <p:cNvPr id="2" name="Title 1"/>
           <p:cNvSpPr>
             <a:spLocks noGrp="1"/>
           </p:cNvSpPr>
@@ -4475,8 +4235,8 @@
         </p:nvSpPr>
         <p:spPr>
           <a:xfrm>
-            <a:off x="457200" y="359321"/>
-            <a:ext cx="8229600" cy="852550"/>
+            <a:off x="457200" y="136525"/>
+            <a:ext cx="8229600" cy="1023395"/>
           </a:xfrm>
         </p:spPr>
         <p:txBody>
@@ -4486,67 +4246,195 @@
           <a:lstStyle/>
           <a:p>
             <a:r>
-              <a:rPr lang="en-US" sz="3200" b="0" i="0" dirty="0">
+              <a:rPr lang="en-US" sz="4000" b="0" i="0" dirty="0">
                 <a:latin typeface="Calibri Light" panose="020F0302020204030204" pitchFamily="34" charset="0"/>
                 <a:cs typeface="Calibri Light" panose="020F0302020204030204" pitchFamily="34" charset="0"/>
               </a:rPr>
-              <a:t>Goal</a:t>
-            </a:r>
-          </a:p>
-        </p:txBody>
-      </p:sp>
-      <p:sp>
-        <p:nvSpPr>
-          <p:cNvPr id="5" name="Content Placeholder 4"/>
-          <p:cNvSpPr>
-            <a:spLocks noGrp="1"/>
-          </p:cNvSpPr>
-          <p:nvPr>
-            <p:ph idx="1"/>
-          </p:nvPr>
+              <a:t>Lecture topics</a:t>
+            </a:r>
+          </a:p>
+        </p:txBody>
+      </p:sp>
+      <p:sp>
+        <p:nvSpPr>
+          <p:cNvPr id="6" name="Rectangle 5"/>
+          <p:cNvSpPr/>
+          <p:nvPr/>
         </p:nvSpPr>
         <p:spPr>
           <a:xfrm>
-            <a:off x="457200" y="1913514"/>
-            <a:ext cx="8370273" cy="2187000"/>
+            <a:off x="1618751" y="1342089"/>
+            <a:ext cx="5906497" cy="4832092"/>
           </a:xfrm>
+          <a:prstGeom prst="rect">
+            <a:avLst/>
+          </a:prstGeom>
         </p:spPr>
         <p:txBody>
-          <a:bodyPr>
-            <a:noAutofit/>
+          <a:bodyPr wrap="square">
+            <a:spAutoFit/>
           </a:bodyPr>
           <a:lstStyle/>
           <a:p>
-            <a:pPr marL="0" indent="0">
-              <a:buNone/>
+            <a:pPr marL="457200" indent="-457200">
+              <a:buFont typeface="+mj-lt"/>
+              <a:buAutoNum type="arabicPeriod"/>
             </a:pPr>
             <a:r>
-              <a:rPr lang="en-US" sz="2800" b="0" i="0" dirty="0">
+              <a:rPr lang="en-US" sz="2800" dirty="0">
                 <a:latin typeface="Calibri Light" panose="020F0302020204030204" pitchFamily="34" charset="0"/>
                 <a:cs typeface="Calibri Light" panose="020F0302020204030204" pitchFamily="34" charset="0"/>
               </a:rPr>
-              <a:t>The goal of this course is to help you to be prepared for next-generation biological research that often generates </a:t>
-            </a:r>
-            <a:r>
-              <a:rPr lang="en-US" sz="2800" b="0" i="1" dirty="0">
+              <a:t>Basic Unix</a:t>
+            </a:r>
+          </a:p>
+          <a:p>
+            <a:pPr marL="457200" indent="-457200">
+              <a:buFont typeface="+mj-lt"/>
+              <a:buAutoNum type="arabicPeriod"/>
+            </a:pPr>
+            <a:r>
+              <a:rPr lang="en-US" sz="2800" dirty="0">
                 <a:latin typeface="Calibri Light" panose="020F0302020204030204" pitchFamily="34" charset="0"/>
                 <a:cs typeface="Calibri Light" panose="020F0302020204030204" pitchFamily="34" charset="0"/>
               </a:rPr>
-              <a:t>large data </a:t>
-            </a:r>
-            <a:r>
-              <a:rPr lang="en-US" sz="2800" b="0" i="0" dirty="0">
+              <a:t>Basic R</a:t>
+            </a:r>
+          </a:p>
+          <a:p>
+            <a:pPr marL="457200" indent="-457200">
+              <a:buFont typeface="+mj-lt"/>
+              <a:buAutoNum type="arabicPeriod"/>
+            </a:pPr>
+            <a:r>
+              <a:rPr lang="en-US" sz="2800" dirty="0">
                 <a:latin typeface="Calibri Light" panose="020F0302020204030204" pitchFamily="34" charset="0"/>
                 <a:cs typeface="Calibri Light" panose="020F0302020204030204" pitchFamily="34" charset="0"/>
               </a:rPr>
-              <a:t>and requires researchers to have the capability in data management and data mining.</a:t>
-            </a:r>
-          </a:p>
-        </p:txBody>
-      </p:sp>
-      <p:sp>
-        <p:nvSpPr>
-          <p:cNvPr id="2" name="Slide Number Placeholder 1"/>
+              <a:t>Introduction of NGS and tools</a:t>
+            </a:r>
+          </a:p>
+          <a:p>
+            <a:pPr marL="457200" indent="-457200">
+              <a:buFont typeface="+mj-lt"/>
+              <a:buAutoNum type="arabicPeriod"/>
+            </a:pPr>
+            <a:r>
+              <a:rPr lang="en-US" sz="2800" dirty="0">
+                <a:latin typeface="Calibri Light" panose="020F0302020204030204" pitchFamily="34" charset="0"/>
+                <a:cs typeface="Calibri Light" panose="020F0302020204030204" pitchFamily="34" charset="0"/>
+              </a:rPr>
+              <a:t>DNA sequence alignment</a:t>
+            </a:r>
+          </a:p>
+          <a:p>
+            <a:pPr marL="457200" indent="-457200">
+              <a:buFont typeface="+mj-lt"/>
+              <a:buAutoNum type="arabicPeriod"/>
+            </a:pPr>
+            <a:r>
+              <a:rPr lang="en-US" sz="2800" dirty="0">
+                <a:latin typeface="Calibri Light" panose="020F0302020204030204" pitchFamily="34" charset="0"/>
+                <a:cs typeface="Calibri Light" panose="020F0302020204030204" pitchFamily="34" charset="0"/>
+              </a:rPr>
+              <a:t>Genome variants</a:t>
+            </a:r>
+          </a:p>
+          <a:p>
+            <a:pPr marL="457200" indent="-457200">
+              <a:buFont typeface="+mj-lt"/>
+              <a:buAutoNum type="arabicPeriod"/>
+            </a:pPr>
+            <a:r>
+              <a:rPr lang="en-US" sz="2800" dirty="0">
+                <a:solidFill>
+                  <a:schemeClr val="tx1">
+                    <a:lumMod val="95000"/>
+                    <a:lumOff val="5000"/>
+                  </a:schemeClr>
+                </a:solidFill>
+                <a:latin typeface="Calibri Light" panose="020F0302020204030204" pitchFamily="34" charset="0"/>
+                <a:cs typeface="Calibri Light" panose="020F0302020204030204" pitchFamily="34" charset="0"/>
+              </a:rPr>
+              <a:t>Phylogeny</a:t>
+            </a:r>
+          </a:p>
+          <a:p>
+            <a:pPr marL="457200" indent="-457200">
+              <a:buFont typeface="+mj-lt"/>
+              <a:buAutoNum type="arabicPeriod"/>
+            </a:pPr>
+            <a:r>
+              <a:rPr lang="en-US" sz="2800" dirty="0">
+                <a:latin typeface="Calibri Light" panose="020F0302020204030204" pitchFamily="34" charset="0"/>
+                <a:cs typeface="Calibri Light" panose="020F0302020204030204" pitchFamily="34" charset="0"/>
+              </a:rPr>
+              <a:t>QTL and GWAS</a:t>
+            </a:r>
+          </a:p>
+          <a:p>
+            <a:pPr marL="457200" indent="-457200">
+              <a:buFont typeface="+mj-lt"/>
+              <a:buAutoNum type="arabicPeriod"/>
+            </a:pPr>
+            <a:r>
+              <a:rPr lang="en-US" sz="2800" dirty="0">
+                <a:latin typeface="Calibri Light" panose="020F0302020204030204" pitchFamily="34" charset="0"/>
+                <a:cs typeface="Calibri Light" panose="020F0302020204030204" pitchFamily="34" charset="0"/>
+              </a:rPr>
+              <a:t>Genome assembly</a:t>
+            </a:r>
+          </a:p>
+          <a:p>
+            <a:pPr marL="457200" indent="-457200">
+              <a:buFont typeface="+mj-lt"/>
+              <a:buAutoNum type="arabicPeriod"/>
+            </a:pPr>
+            <a:r>
+              <a:rPr lang="en-US" sz="2800" dirty="0">
+                <a:solidFill>
+                  <a:schemeClr val="tx1">
+                    <a:lumMod val="95000"/>
+                    <a:lumOff val="5000"/>
+                  </a:schemeClr>
+                </a:solidFill>
+                <a:latin typeface="Calibri Light" panose="020F0302020204030204" pitchFamily="34" charset="0"/>
+                <a:cs typeface="Calibri Light" panose="020F0302020204030204" pitchFamily="34" charset="0"/>
+              </a:rPr>
+              <a:t>Comparative genomics</a:t>
+            </a:r>
+          </a:p>
+          <a:p>
+            <a:pPr marL="457200" indent="-457200">
+              <a:buFont typeface="+mj-lt"/>
+              <a:buAutoNum type="arabicPeriod"/>
+            </a:pPr>
+            <a:r>
+              <a:rPr lang="en-US" sz="2800" dirty="0">
+                <a:latin typeface="Calibri Light" panose="020F0302020204030204" pitchFamily="34" charset="0"/>
+                <a:cs typeface="Calibri Light" panose="020F0302020204030204" pitchFamily="34" charset="0"/>
+              </a:rPr>
+              <a:t>RNA-Seq</a:t>
+            </a:r>
+          </a:p>
+          <a:p>
+            <a:pPr marL="457200" indent="-457200">
+              <a:buFont typeface="+mj-lt"/>
+              <a:buAutoNum type="arabicPeriod"/>
+            </a:pPr>
+            <a:r>
+              <a:rPr lang="en-US" sz="2800" dirty="0">
+                <a:latin typeface="Calibri Light" panose="020F0302020204030204" pitchFamily="34" charset="0"/>
+                <a:cs typeface="Calibri Light" panose="020F0302020204030204" pitchFamily="34" charset="0"/>
+              </a:rPr>
+              <a:t>Deep learning</a:t>
+            </a:r>
+          </a:p>
+        </p:txBody>
+      </p:sp>
+      <p:sp>
+        <p:nvSpPr>
+          <p:cNvPr id="3" name="Slide Number Placeholder 2"/>
           <p:cNvSpPr>
             <a:spLocks noGrp="1"/>
           </p:cNvSpPr>
@@ -4570,7 +4458,7 @@
     </p:spTree>
     <p:extLst>
       <p:ext uri="{BB962C8B-B14F-4D97-AF65-F5344CB8AC3E}">
-        <p14:creationId xmlns:p14="http://schemas.microsoft.com/office/powerpoint/2010/main" val="1838263118"/>
+        <p14:creationId xmlns:p14="http://schemas.microsoft.com/office/powerpoint/2010/main" val="2313558119"/>
       </p:ext>
     </p:extLst>
   </p:cSld>
@@ -4599,7 +4487,13 @@
       </p:grpSpPr>
       <p:sp>
         <p:nvSpPr>
-          <p:cNvPr id="2" name="Title 1"/>
+          <p:cNvPr id="2" name="Title 1">
+            <a:extLst>
+              <a:ext uri="{FF2B5EF4-FFF2-40B4-BE49-F238E27FC236}">
+                <a16:creationId xmlns:a16="http://schemas.microsoft.com/office/drawing/2014/main" id="{294B2B2D-E10C-7F47-A725-F14D77ADDEE9}"/>
+              </a:ext>
+            </a:extLst>
+          </p:cNvPr>
           <p:cNvSpPr>
             <a:spLocks noGrp="1"/>
           </p:cNvSpPr>
@@ -4609,8 +4503,8 @@
         </p:nvSpPr>
         <p:spPr>
           <a:xfrm>
-            <a:off x="457200" y="136525"/>
-            <a:ext cx="8229600" cy="1023395"/>
+            <a:off x="457200" y="331790"/>
+            <a:ext cx="8229600" cy="772987"/>
           </a:xfrm>
         </p:spPr>
         <p:txBody>
@@ -4620,208 +4514,79 @@
           <a:lstStyle/>
           <a:p>
             <a:r>
-              <a:rPr lang="en-US" sz="3200" b="0" i="0" dirty="0">
-                <a:latin typeface="Calibri Light" panose="020F0302020204030204" pitchFamily="34" charset="0"/>
-                <a:cs typeface="Calibri Light" panose="020F0302020204030204" pitchFamily="34" charset="0"/>
-              </a:rPr>
-              <a:t>Lecture topics</a:t>
-            </a:r>
-          </a:p>
-        </p:txBody>
-      </p:sp>
-      <p:sp>
-        <p:nvSpPr>
-          <p:cNvPr id="6" name="Rectangle 5"/>
-          <p:cNvSpPr/>
-          <p:nvPr/>
+              <a:rPr lang="en-US" sz="3600" dirty="0"/>
+              <a:t>Last question in the final exam </a:t>
+            </a:r>
+          </a:p>
+        </p:txBody>
+      </p:sp>
+      <p:sp>
+        <p:nvSpPr>
+          <p:cNvPr id="3" name="Content Placeholder 2">
+            <a:extLst>
+              <a:ext uri="{FF2B5EF4-FFF2-40B4-BE49-F238E27FC236}">
+                <a16:creationId xmlns:a16="http://schemas.microsoft.com/office/drawing/2014/main" id="{88EF8BAB-C44C-EA43-ACF6-C56000C16014}"/>
+              </a:ext>
+            </a:extLst>
+          </p:cNvPr>
+          <p:cNvSpPr>
+            <a:spLocks noGrp="1"/>
+          </p:cNvSpPr>
+          <p:nvPr>
+            <p:ph idx="1"/>
+          </p:nvPr>
         </p:nvSpPr>
         <p:spPr>
           <a:xfrm>
-            <a:off x="1618751" y="1159920"/>
-            <a:ext cx="5906497" cy="5262979"/>
+            <a:off x="457200" y="1615062"/>
+            <a:ext cx="8229600" cy="1999676"/>
           </a:xfrm>
-          <a:prstGeom prst="rect">
-            <a:avLst/>
-          </a:prstGeom>
         </p:spPr>
         <p:txBody>
-          <a:bodyPr wrap="square">
-            <a:spAutoFit/>
+          <a:bodyPr>
+            <a:normAutofit/>
           </a:bodyPr>
           <a:lstStyle/>
           <a:p>
-            <a:pPr marL="457200" indent="-457200">
-              <a:buFont typeface="+mj-lt"/>
-              <a:buAutoNum type="arabicPeriod"/>
+            <a:pPr marL="0" indent="0">
+              <a:buNone/>
             </a:pPr>
             <a:r>
-              <a:rPr lang="en-US" sz="2800" dirty="0">
-                <a:latin typeface="Calibri Light" panose="020F0302020204030204" pitchFamily="34" charset="0"/>
-                <a:cs typeface="Calibri Light" panose="020F0302020204030204" pitchFamily="34" charset="0"/>
-              </a:rPr>
-              <a:t>Basic Unix</a:t>
-            </a:r>
-          </a:p>
-          <a:p>
-            <a:pPr marL="457200" indent="-457200">
-              <a:buFont typeface="+mj-lt"/>
-              <a:buAutoNum type="arabicPeriod"/>
+              <a:rPr lang="en-US" sz="2800" b="1" dirty="0"/>
+              <a:t>Problem  (suggestions for a better course)</a:t>
+            </a:r>
+          </a:p>
+          <a:p>
+            <a:pPr marL="0" indent="0">
+              <a:buNone/>
             </a:pPr>
             <a:r>
-              <a:rPr lang="en-US" sz="2800" dirty="0">
-                <a:latin typeface="Calibri Light" panose="020F0302020204030204" pitchFamily="34" charset="0"/>
-                <a:cs typeface="Calibri Light" panose="020F0302020204030204" pitchFamily="34" charset="0"/>
-              </a:rPr>
-              <a:t>Basic R</a:t>
-            </a:r>
-          </a:p>
-          <a:p>
-            <a:pPr marL="457200" indent="-457200">
-              <a:buFont typeface="+mj-lt"/>
-              <a:buAutoNum type="arabicPeriod"/>
+              <a:rPr lang="en-US" sz="2800" dirty="0"/>
+              <a:t>If you were the teacher for this course, what would you do to improve or add to this course?</a:t>
+            </a:r>
+            <a:r>
+              <a:rPr lang="en-US" sz="2800" b="1" dirty="0"/>
+              <a:t> </a:t>
+            </a:r>
+            <a:endParaRPr lang="en-US" sz="2800" dirty="0"/>
+          </a:p>
+          <a:p>
+            <a:pPr marL="0" indent="0">
+              <a:buNone/>
             </a:pPr>
-            <a:r>
-              <a:rPr lang="en-US" sz="2800" dirty="0">
-                <a:latin typeface="Calibri Light" panose="020F0302020204030204" pitchFamily="34" charset="0"/>
-                <a:cs typeface="Calibri Light" panose="020F0302020204030204" pitchFamily="34" charset="0"/>
-              </a:rPr>
-              <a:t>Introduction of NGS and tools</a:t>
-            </a:r>
-          </a:p>
-          <a:p>
-            <a:pPr marL="457200" indent="-457200">
-              <a:buFont typeface="+mj-lt"/>
-              <a:buAutoNum type="arabicPeriod"/>
-            </a:pPr>
-            <a:r>
-              <a:rPr lang="en-US" sz="2800" dirty="0">
-                <a:latin typeface="Calibri Light" panose="020F0302020204030204" pitchFamily="34" charset="0"/>
-                <a:cs typeface="Calibri Light" panose="020F0302020204030204" pitchFamily="34" charset="0"/>
-              </a:rPr>
-              <a:t>DNA sequence alignment</a:t>
-            </a:r>
-          </a:p>
-          <a:p>
-            <a:pPr marL="457200" indent="-457200">
-              <a:buFont typeface="+mj-lt"/>
-              <a:buAutoNum type="arabicPeriod"/>
-            </a:pPr>
-            <a:r>
-              <a:rPr lang="en-US" sz="2800" dirty="0">
-                <a:latin typeface="Calibri Light" panose="020F0302020204030204" pitchFamily="34" charset="0"/>
-                <a:cs typeface="Calibri Light" panose="020F0302020204030204" pitchFamily="34" charset="0"/>
-              </a:rPr>
-              <a:t>Genome variants</a:t>
-            </a:r>
-          </a:p>
-          <a:p>
-            <a:pPr marL="457200" indent="-457200">
-              <a:buFont typeface="+mj-lt"/>
-              <a:buAutoNum type="arabicPeriod"/>
-            </a:pPr>
-            <a:r>
-              <a:rPr lang="en-US" sz="2800" dirty="0">
-                <a:solidFill>
-                  <a:schemeClr val="tx1">
-                    <a:lumMod val="95000"/>
-                    <a:lumOff val="5000"/>
-                  </a:schemeClr>
-                </a:solidFill>
-                <a:latin typeface="Calibri Light" panose="020F0302020204030204" pitchFamily="34" charset="0"/>
-                <a:cs typeface="Calibri Light" panose="020F0302020204030204" pitchFamily="34" charset="0"/>
-              </a:rPr>
-              <a:t>Phylogeny</a:t>
-            </a:r>
-          </a:p>
-          <a:p>
-            <a:pPr marL="457200" indent="-457200">
-              <a:buFont typeface="+mj-lt"/>
-              <a:buAutoNum type="arabicPeriod"/>
-            </a:pPr>
-            <a:r>
-              <a:rPr lang="en-US" sz="2800" dirty="0">
-                <a:latin typeface="Calibri Light" panose="020F0302020204030204" pitchFamily="34" charset="0"/>
-                <a:cs typeface="Calibri Light" panose="020F0302020204030204" pitchFamily="34" charset="0"/>
-              </a:rPr>
-              <a:t>QTL and GWAS</a:t>
-            </a:r>
-          </a:p>
-          <a:p>
-            <a:pPr marL="457200" indent="-457200">
-              <a:buFont typeface="+mj-lt"/>
-              <a:buAutoNum type="arabicPeriod"/>
-            </a:pPr>
-            <a:r>
-              <a:rPr lang="en-US" sz="2800" dirty="0">
-                <a:latin typeface="Calibri Light" panose="020F0302020204030204" pitchFamily="34" charset="0"/>
-                <a:cs typeface="Calibri Light" panose="020F0302020204030204" pitchFamily="34" charset="0"/>
-              </a:rPr>
-              <a:t>Genome assembly</a:t>
-            </a:r>
-          </a:p>
-          <a:p>
-            <a:pPr marL="457200" indent="-457200">
-              <a:buFont typeface="+mj-lt"/>
-              <a:buAutoNum type="arabicPeriod"/>
-            </a:pPr>
-            <a:r>
-              <a:rPr lang="en-US" sz="2800" dirty="0">
-                <a:solidFill>
-                  <a:schemeClr val="tx1">
-                    <a:lumMod val="95000"/>
-                    <a:lumOff val="5000"/>
-                  </a:schemeClr>
-                </a:solidFill>
-                <a:latin typeface="Calibri Light" panose="020F0302020204030204" pitchFamily="34" charset="0"/>
-                <a:cs typeface="Calibri Light" panose="020F0302020204030204" pitchFamily="34" charset="0"/>
-              </a:rPr>
-              <a:t>Comparative genomics</a:t>
-            </a:r>
-          </a:p>
-          <a:p>
-            <a:pPr marL="457200" indent="-457200">
-              <a:buFont typeface="+mj-lt"/>
-              <a:buAutoNum type="arabicPeriod"/>
-            </a:pPr>
-            <a:r>
-              <a:rPr lang="en-US" sz="2800" dirty="0">
-                <a:latin typeface="Calibri Light" panose="020F0302020204030204" pitchFamily="34" charset="0"/>
-                <a:cs typeface="Calibri Light" panose="020F0302020204030204" pitchFamily="34" charset="0"/>
-              </a:rPr>
-              <a:t>Microbiome</a:t>
-            </a:r>
-          </a:p>
-          <a:p>
-            <a:pPr marL="457200" indent="-457200">
-              <a:buFont typeface="+mj-lt"/>
-              <a:buAutoNum type="arabicPeriod"/>
-            </a:pPr>
-            <a:r>
-              <a:rPr lang="en-US" sz="2800" dirty="0">
-                <a:latin typeface="Calibri Light" panose="020F0302020204030204" pitchFamily="34" charset="0"/>
-                <a:cs typeface="Calibri Light" panose="020F0302020204030204" pitchFamily="34" charset="0"/>
-              </a:rPr>
-              <a:t>RNA-Seq (GCN)</a:t>
-            </a:r>
-          </a:p>
-          <a:p>
-            <a:pPr marL="457200" indent="-457200">
-              <a:buFont typeface="+mj-lt"/>
-              <a:buAutoNum type="arabicPeriod"/>
-            </a:pPr>
-            <a:r>
-              <a:rPr lang="en-US" sz="2800" dirty="0">
-                <a:latin typeface="Calibri Light" panose="020F0302020204030204" pitchFamily="34" charset="0"/>
-                <a:cs typeface="Calibri Light" panose="020F0302020204030204" pitchFamily="34" charset="0"/>
-              </a:rPr>
-              <a:t>Deep learning</a:t>
-            </a:r>
-          </a:p>
-        </p:txBody>
-      </p:sp>
-      <p:sp>
-        <p:nvSpPr>
-          <p:cNvPr id="3" name="Slide Number Placeholder 2"/>
+            <a:endParaRPr lang="en-US" sz="2800" dirty="0"/>
+          </a:p>
+        </p:txBody>
+      </p:sp>
+      <p:sp>
+        <p:nvSpPr>
+          <p:cNvPr id="4" name="Slide Number Placeholder 3">
+            <a:extLst>
+              <a:ext uri="{FF2B5EF4-FFF2-40B4-BE49-F238E27FC236}">
+                <a16:creationId xmlns:a16="http://schemas.microsoft.com/office/drawing/2014/main" id="{57B92D21-EC5B-7240-8DFE-8EA4054230FE}"/>
+              </a:ext>
+            </a:extLst>
+          </p:cNvPr>
           <p:cNvSpPr>
             <a:spLocks noGrp="1"/>
           </p:cNvSpPr>
@@ -4845,7 +4610,7 @@
     </p:spTree>
     <p:extLst>
       <p:ext uri="{BB962C8B-B14F-4D97-AF65-F5344CB8AC3E}">
-        <p14:creationId xmlns:p14="http://schemas.microsoft.com/office/powerpoint/2010/main" val="2313558119"/>
+        <p14:creationId xmlns:p14="http://schemas.microsoft.com/office/powerpoint/2010/main" val="1158006661"/>
       </p:ext>
     </p:extLst>
   </p:cSld>
@@ -4877,163 +4642,6 @@
           <p:cNvPr id="2" name="Title 1">
             <a:extLst>
               <a:ext uri="{FF2B5EF4-FFF2-40B4-BE49-F238E27FC236}">
-                <a16:creationId xmlns:a16="http://schemas.microsoft.com/office/drawing/2014/main" id="{294B2B2D-E10C-7F47-A725-F14D77ADDEE9}"/>
-              </a:ext>
-            </a:extLst>
-          </p:cNvPr>
-          <p:cNvSpPr>
-            <a:spLocks noGrp="1"/>
-          </p:cNvSpPr>
-          <p:nvPr>
-            <p:ph type="title"/>
-          </p:nvPr>
-        </p:nvSpPr>
-        <p:spPr>
-          <a:xfrm>
-            <a:off x="457200" y="331790"/>
-            <a:ext cx="8229600" cy="772987"/>
-          </a:xfrm>
-        </p:spPr>
-        <p:txBody>
-          <a:bodyPr>
-            <a:normAutofit/>
-          </a:bodyPr>
-          <a:lstStyle/>
-          <a:p>
-            <a:r>
-              <a:rPr lang="en-US" sz="3200" dirty="0"/>
-              <a:t>Last question in the final exam </a:t>
-            </a:r>
-          </a:p>
-        </p:txBody>
-      </p:sp>
-      <p:sp>
-        <p:nvSpPr>
-          <p:cNvPr id="3" name="Content Placeholder 2">
-            <a:extLst>
-              <a:ext uri="{FF2B5EF4-FFF2-40B4-BE49-F238E27FC236}">
-                <a16:creationId xmlns:a16="http://schemas.microsoft.com/office/drawing/2014/main" id="{88EF8BAB-C44C-EA43-ACF6-C56000C16014}"/>
-              </a:ext>
-            </a:extLst>
-          </p:cNvPr>
-          <p:cNvSpPr>
-            <a:spLocks noGrp="1"/>
-          </p:cNvSpPr>
-          <p:nvPr>
-            <p:ph idx="1"/>
-          </p:nvPr>
-        </p:nvSpPr>
-        <p:spPr>
-          <a:xfrm>
-            <a:off x="457200" y="1615062"/>
-            <a:ext cx="8229600" cy="1999676"/>
-          </a:xfrm>
-        </p:spPr>
-        <p:txBody>
-          <a:bodyPr>
-            <a:normAutofit/>
-          </a:bodyPr>
-          <a:lstStyle/>
-          <a:p>
-            <a:pPr marL="0" indent="0">
-              <a:buNone/>
-            </a:pPr>
-            <a:r>
-              <a:rPr lang="en-US" sz="2800" b="1" dirty="0"/>
-              <a:t>Problem  (suggestions for a better course)</a:t>
-            </a:r>
-          </a:p>
-          <a:p>
-            <a:pPr marL="0" indent="0">
-              <a:buNone/>
-            </a:pPr>
-            <a:r>
-              <a:rPr lang="en-US" sz="2800" dirty="0"/>
-              <a:t>If you were the teacher for this course, what would you do additionally to improve this course? </a:t>
-            </a:r>
-          </a:p>
-          <a:p>
-            <a:pPr marL="0" indent="0">
-              <a:buNone/>
-            </a:pPr>
-            <a:r>
-              <a:rPr lang="en-US" sz="2800" b="1" dirty="0"/>
-              <a:t> </a:t>
-            </a:r>
-            <a:endParaRPr lang="en-US" sz="2800" dirty="0"/>
-          </a:p>
-          <a:p>
-            <a:pPr marL="0" indent="0">
-              <a:buNone/>
-            </a:pPr>
-            <a:endParaRPr lang="en-US" sz="2800" dirty="0"/>
-          </a:p>
-        </p:txBody>
-      </p:sp>
-      <p:sp>
-        <p:nvSpPr>
-          <p:cNvPr id="4" name="Slide Number Placeholder 3">
-            <a:extLst>
-              <a:ext uri="{FF2B5EF4-FFF2-40B4-BE49-F238E27FC236}">
-                <a16:creationId xmlns:a16="http://schemas.microsoft.com/office/drawing/2014/main" id="{57B92D21-EC5B-7240-8DFE-8EA4054230FE}"/>
-              </a:ext>
-            </a:extLst>
-          </p:cNvPr>
-          <p:cNvSpPr>
-            <a:spLocks noGrp="1"/>
-          </p:cNvSpPr>
-          <p:nvPr>
-            <p:ph type="sldNum" sz="quarter" idx="12"/>
-          </p:nvPr>
-        </p:nvSpPr>
-        <p:spPr/>
-        <p:txBody>
-          <a:bodyPr/>
-          <a:lstStyle/>
-          <a:p>
-            <a:fld id="{9DA039C4-C5F2-1743-BB7A-5D831266C61E}" type="slidenum">
-              <a:rPr lang="en-US" smtClean="0"/>
-              <a:t>5</a:t>
-            </a:fld>
-            <a:endParaRPr lang="en-US"/>
-          </a:p>
-        </p:txBody>
-      </p:sp>
-    </p:spTree>
-    <p:extLst>
-      <p:ext uri="{BB962C8B-B14F-4D97-AF65-F5344CB8AC3E}">
-        <p14:creationId xmlns:p14="http://schemas.microsoft.com/office/powerpoint/2010/main" val="1158006661"/>
-      </p:ext>
-    </p:extLst>
-  </p:cSld>
-  <p:clrMapOvr>
-    <a:masterClrMapping/>
-  </p:clrMapOvr>
-</p:sld>
-</file>
-
-<file path=ppt/slides/slide6.xml><?xml version="1.0" encoding="utf-8"?>
-<p:sld xmlns:a="http://schemas.openxmlformats.org/drawingml/2006/main" xmlns:r="http://schemas.openxmlformats.org/officeDocument/2006/relationships" xmlns:p="http://schemas.openxmlformats.org/presentationml/2006/main">
-  <p:cSld>
-    <p:spTree>
-      <p:nvGrpSpPr>
-        <p:cNvPr id="1" name=""/>
-        <p:cNvGrpSpPr/>
-        <p:nvPr/>
-      </p:nvGrpSpPr>
-      <p:grpSpPr>
-        <a:xfrm>
-          <a:off x="0" y="0"/>
-          <a:ext cx="0" cy="0"/>
-          <a:chOff x="0" y="0"/>
-          <a:chExt cx="0" cy="0"/>
-        </a:xfrm>
-      </p:grpSpPr>
-      <p:sp>
-        <p:nvSpPr>
-          <p:cNvPr id="2" name="Title 1">
-            <a:extLst>
-              <a:ext uri="{FF2B5EF4-FFF2-40B4-BE49-F238E27FC236}">
                 <a16:creationId xmlns:a16="http://schemas.microsoft.com/office/drawing/2014/main" id="{EB54AD6E-12AA-DD45-AB42-E4D352821AEA}"/>
               </a:ext>
             </a:extLst>
@@ -5185,7 +4793,7 @@
           <a:p>
             <a:fld id="{9DA039C4-C5F2-1743-BB7A-5D831266C61E}" type="slidenum">
               <a:rPr lang="en-US" smtClean="0"/>
-              <a:t>6</a:t>
+              <a:t>5</a:t>
             </a:fld>
             <a:endParaRPr lang="en-US"/>
           </a:p>

--- a/PLPTH813Bioinformatis/2023/lectures/lecture18_closing.pptx
+++ b/PLPTH813Bioinformatis/2023/lectures/lecture18_closing.pptx
@@ -215,7 +215,7 @@
           <a:p>
             <a:fld id="{42D500AB-40DB-3649-A254-E91FF5C008D8}" type="datetimeFigureOut">
               <a:rPr lang="en-US" smtClean="0"/>
-              <a:t>4/27/23</a:t>
+              <a:t>5/4/23</a:t>
             </a:fld>
             <a:endParaRPr lang="en-US"/>
           </a:p>
@@ -381,7 +381,7 @@
           <a:p>
             <a:fld id="{4E54808B-C6D3-4F4E-9F6E-D9149D4F9C09}" type="datetimeFigureOut">
               <a:rPr lang="en-US" smtClean="0"/>
-              <a:t>4/27/23</a:t>
+              <a:t>5/4/23</a:t>
             </a:fld>
             <a:endParaRPr lang="en-US"/>
           </a:p>
@@ -1080,7 +1080,7 @@
           <a:p>
             <a:fld id="{174635AB-F2BA-5949-B83E-329EC452D42A}" type="datetime1">
               <a:rPr lang="en-US" smtClean="0"/>
-              <a:t>4/27/23</a:t>
+              <a:t>5/4/23</a:t>
             </a:fld>
             <a:endParaRPr lang="en-US"/>
           </a:p>
@@ -1248,7 +1248,7 @@
           <a:p>
             <a:fld id="{A82D81A9-3597-9941-8C4D-52E6D9EC7550}" type="datetime1">
               <a:rPr lang="en-US" smtClean="0"/>
-              <a:t>4/27/23</a:t>
+              <a:t>5/4/23</a:t>
             </a:fld>
             <a:endParaRPr lang="en-US"/>
           </a:p>
@@ -1426,7 +1426,7 @@
           <a:p>
             <a:fld id="{68CABB9B-C3AA-7749-89C6-E32B590214A2}" type="datetime1">
               <a:rPr lang="en-US" smtClean="0"/>
-              <a:t>4/27/23</a:t>
+              <a:t>5/4/23</a:t>
             </a:fld>
             <a:endParaRPr lang="en-US"/>
           </a:p>
@@ -1594,7 +1594,7 @@
           <a:p>
             <a:fld id="{B7382B88-27CB-174D-86CB-5F5162996DC4}" type="datetime1">
               <a:rPr lang="en-US" smtClean="0"/>
-              <a:t>4/27/23</a:t>
+              <a:t>5/4/23</a:t>
             </a:fld>
             <a:endParaRPr lang="en-US"/>
           </a:p>
@@ -1839,7 +1839,7 @@
           <a:p>
             <a:fld id="{DFBF93A4-51B8-184E-9CDC-32F14663D043}" type="datetime1">
               <a:rPr lang="en-US" smtClean="0"/>
-              <a:t>4/27/23</a:t>
+              <a:t>5/4/23</a:t>
             </a:fld>
             <a:endParaRPr lang="en-US"/>
           </a:p>
@@ -2124,7 +2124,7 @@
           <a:p>
             <a:fld id="{3F9EB62F-79A6-834F-AF89-47B413EFCD00}" type="datetime1">
               <a:rPr lang="en-US" smtClean="0"/>
-              <a:t>4/27/23</a:t>
+              <a:t>5/4/23</a:t>
             </a:fld>
             <a:endParaRPr lang="en-US"/>
           </a:p>
@@ -2543,7 +2543,7 @@
           <a:p>
             <a:fld id="{C98F3F0A-8441-A94E-9DFE-B2F200159960}" type="datetime1">
               <a:rPr lang="en-US" smtClean="0"/>
-              <a:t>4/27/23</a:t>
+              <a:t>5/4/23</a:t>
             </a:fld>
             <a:endParaRPr lang="en-US"/>
           </a:p>
@@ -2660,7 +2660,7 @@
           <a:p>
             <a:fld id="{2D13F390-AFCB-6B4C-A073-93A0E3CE1A2E}" type="datetime1">
               <a:rPr lang="en-US" smtClean="0"/>
-              <a:t>4/27/23</a:t>
+              <a:t>5/4/23</a:t>
             </a:fld>
             <a:endParaRPr lang="en-US"/>
           </a:p>
@@ -2755,7 +2755,7 @@
           <a:p>
             <a:fld id="{6BF3EFF7-B6EC-5E47-A88C-510064A0B03C}" type="datetime1">
               <a:rPr lang="en-US" smtClean="0"/>
-              <a:t>4/27/23</a:t>
+              <a:t>5/4/23</a:t>
             </a:fld>
             <a:endParaRPr lang="en-US"/>
           </a:p>
@@ -3030,7 +3030,7 @@
           <a:p>
             <a:fld id="{F9FDD7BC-4D9B-A741-A024-274455EB2340}" type="datetime1">
               <a:rPr lang="en-US" smtClean="0"/>
-              <a:t>4/27/23</a:t>
+              <a:t>5/4/23</a:t>
             </a:fld>
             <a:endParaRPr lang="en-US"/>
           </a:p>
@@ -3282,7 +3282,7 @@
           <a:p>
             <a:fld id="{10403580-C820-594B-9A85-E3EBC615AD0A}" type="datetime1">
               <a:rPr lang="en-US" smtClean="0"/>
-              <a:t>4/27/23</a:t>
+              <a:t>5/4/23</a:t>
             </a:fld>
             <a:endParaRPr lang="en-US"/>
           </a:p>
@@ -3493,7 +3493,7 @@
           <a:p>
             <a:fld id="{7D4D473E-7391-144A-9568-07F2D66BB230}" type="datetime1">
               <a:rPr lang="en-US" smtClean="0"/>
-              <a:t>4/27/23</a:t>
+              <a:t>5/4/23</a:t>
             </a:fld>
             <a:endParaRPr lang="en-US"/>
           </a:p>
@@ -4031,7 +4031,7 @@
                 <a:latin typeface="Chalkduster"/>
                 <a:cs typeface="Chalkduster"/>
               </a:rPr>
-              <a:t>Spring 2021</a:t>
+              <a:t>Spring 2023</a:t>
             </a:r>
           </a:p>
         </p:txBody>
@@ -4414,7 +4414,7 @@
                 <a:latin typeface="Calibri Light" panose="020F0302020204030204" pitchFamily="34" charset="0"/>
                 <a:cs typeface="Calibri Light" panose="020F0302020204030204" pitchFamily="34" charset="0"/>
               </a:rPr>
-              <a:t>RNA-Seq</a:t>
+              <a:t>RNA-seq</a:t>
             </a:r>
           </a:p>
           <a:p>
@@ -4490,7 +4490,7 @@
           <p:cNvPr id="2" name="Title 1">
             <a:extLst>
               <a:ext uri="{FF2B5EF4-FFF2-40B4-BE49-F238E27FC236}">
-                <a16:creationId xmlns:a16="http://schemas.microsoft.com/office/drawing/2014/main" id="{294B2B2D-E10C-7F47-A725-F14D77ADDEE9}"/>
+                <a16:creationId xmlns:a16="http://schemas.microsoft.com/office/drawing/2014/main" id="{9E7B7CFD-8F0A-C3A8-DC44-56232D22BC1A}"/>
               </a:ext>
             </a:extLst>
           </p:cNvPr>
@@ -4503,7 +4503,7 @@
         </p:nvSpPr>
         <p:spPr>
           <a:xfrm>
-            <a:off x="457200" y="331790"/>
+            <a:off x="457200" y="513656"/>
             <a:ext cx="8229600" cy="772987"/>
           </a:xfrm>
         </p:spPr>
@@ -4514,8 +4514,11 @@
           <a:lstStyle/>
           <a:p>
             <a:r>
-              <a:rPr lang="en-US" sz="3600" dirty="0"/>
-              <a:t>Last question in the final exam </a:t>
+              <a:rPr lang="en-US" sz="3600" dirty="0">
+                <a:latin typeface="Calibri" panose="020F0502020204030204" pitchFamily="34" charset="0"/>
+                <a:cs typeface="Calibri" panose="020F0502020204030204" pitchFamily="34" charset="0"/>
+              </a:rPr>
+              <a:t>Suggestions</a:t>
             </a:r>
           </a:p>
         </p:txBody>
@@ -4525,7 +4528,7 @@
           <p:cNvPr id="3" name="Content Placeholder 2">
             <a:extLst>
               <a:ext uri="{FF2B5EF4-FFF2-40B4-BE49-F238E27FC236}">
-                <a16:creationId xmlns:a16="http://schemas.microsoft.com/office/drawing/2014/main" id="{88EF8BAB-C44C-EA43-ACF6-C56000C16014}"/>
+                <a16:creationId xmlns:a16="http://schemas.microsoft.com/office/drawing/2014/main" id="{6141F7F7-6DB5-3843-B362-C7B2278FE770}"/>
               </a:ext>
             </a:extLst>
           </p:cNvPr>
@@ -4538,8 +4541,8 @@
         </p:nvSpPr>
         <p:spPr>
           <a:xfrm>
-            <a:off x="457200" y="1615062"/>
-            <a:ext cx="8229600" cy="1999676"/>
+            <a:off x="914400" y="1859729"/>
+            <a:ext cx="7674864" cy="3504116"/>
           </a:xfrm>
         </p:spPr>
         <p:txBody>
@@ -4548,33 +4551,61 @@
           </a:bodyPr>
           <a:lstStyle/>
           <a:p>
-            <a:pPr marL="0" indent="0">
-              <a:buNone/>
-            </a:pPr>
-            <a:r>
-              <a:rPr lang="en-US" sz="2800" b="1" dirty="0"/>
-              <a:t>Problem  (suggestions for a better course)</a:t>
-            </a:r>
-          </a:p>
-          <a:p>
-            <a:pPr marL="0" indent="0">
-              <a:buNone/>
-            </a:pPr>
-            <a:r>
-              <a:rPr lang="en-US" sz="2800" dirty="0"/>
-              <a:t>If you were the teacher for this course, what would you do to improve or add to this course?</a:t>
-            </a:r>
-            <a:r>
-              <a:rPr lang="en-US" sz="2800" b="1" dirty="0"/>
-              <a:t> </a:t>
-            </a:r>
-            <a:endParaRPr lang="en-US" sz="2800" dirty="0"/>
-          </a:p>
-          <a:p>
-            <a:pPr marL="0" indent="0">
-              <a:buNone/>
-            </a:pPr>
-            <a:endParaRPr lang="en-US" sz="2800" dirty="0"/>
+            <a:r>
+              <a:rPr lang="en-US" sz="3200" dirty="0">
+                <a:latin typeface="Calibri Light" panose="020F0302020204030204" pitchFamily="34" charset="0"/>
+                <a:cs typeface="Calibri Light" panose="020F0302020204030204" pitchFamily="34" charset="0"/>
+              </a:rPr>
+              <a:t>”DO NOT” plot using Excel</a:t>
+            </a:r>
+          </a:p>
+          <a:p>
+            <a:r>
+              <a:rPr lang="en-US" sz="3200" dirty="0">
+                <a:latin typeface="Calibri Light" panose="020F0302020204030204" pitchFamily="34" charset="0"/>
+                <a:cs typeface="Calibri Light" panose="020F0302020204030204" pitchFamily="34" charset="0"/>
+              </a:rPr>
+              <a:t>Find opportunities to analyze large data</a:t>
+            </a:r>
+          </a:p>
+          <a:p>
+            <a:r>
+              <a:rPr lang="en-US" sz="3200" dirty="0">
+                <a:latin typeface="Calibri Light" panose="020F0302020204030204" pitchFamily="34" charset="0"/>
+                <a:cs typeface="Calibri Light" panose="020F0302020204030204" pitchFamily="34" charset="0"/>
+              </a:rPr>
+              <a:t>Perform statistics in R or Python</a:t>
+            </a:r>
+          </a:p>
+          <a:p>
+            <a:r>
+              <a:rPr lang="en-US" sz="3200" dirty="0">
+                <a:latin typeface="Calibri Light" panose="020F0302020204030204" pitchFamily="34" charset="0"/>
+                <a:cs typeface="Calibri Light" panose="020F0302020204030204" pitchFamily="34" charset="0"/>
+              </a:rPr>
+              <a:t>Learn Python if possible</a:t>
+            </a:r>
+          </a:p>
+          <a:p>
+            <a:r>
+              <a:rPr lang="en-US" sz="3200" dirty="0">
+                <a:latin typeface="Calibri Light" panose="020F0302020204030204" pitchFamily="34" charset="0"/>
+                <a:cs typeface="Calibri Light" panose="020F0302020204030204" pitchFamily="34" charset="0"/>
+              </a:rPr>
+              <a:t>Learn and use command-line tools persistently</a:t>
+            </a:r>
+          </a:p>
+          <a:p>
+            <a:endParaRPr lang="en-US" sz="3200" dirty="0">
+              <a:latin typeface="Calibri Light" panose="020F0302020204030204" pitchFamily="34" charset="0"/>
+              <a:cs typeface="Calibri Light" panose="020F0302020204030204" pitchFamily="34" charset="0"/>
+            </a:endParaRPr>
+          </a:p>
+          <a:p>
+            <a:endParaRPr lang="en-US" sz="3200" dirty="0">
+              <a:latin typeface="Calibri Light" panose="020F0302020204030204" pitchFamily="34" charset="0"/>
+              <a:cs typeface="Calibri Light" panose="020F0302020204030204" pitchFamily="34" charset="0"/>
+            </a:endParaRPr>
           </a:p>
         </p:txBody>
       </p:sp>
@@ -4583,7 +4614,7 @@
           <p:cNvPr id="4" name="Slide Number Placeholder 3">
             <a:extLst>
               <a:ext uri="{FF2B5EF4-FFF2-40B4-BE49-F238E27FC236}">
-                <a16:creationId xmlns:a16="http://schemas.microsoft.com/office/drawing/2014/main" id="{57B92D21-EC5B-7240-8DFE-8EA4054230FE}"/>
+                <a16:creationId xmlns:a16="http://schemas.microsoft.com/office/drawing/2014/main" id="{E364563C-30B2-4205-2802-1A49449D28F3}"/>
               </a:ext>
             </a:extLst>
           </p:cNvPr>
@@ -4610,7 +4641,7 @@
     </p:spTree>
     <p:extLst>
       <p:ext uri="{BB962C8B-B14F-4D97-AF65-F5344CB8AC3E}">
-        <p14:creationId xmlns:p14="http://schemas.microsoft.com/office/powerpoint/2010/main" val="1158006661"/>
+        <p14:creationId xmlns:p14="http://schemas.microsoft.com/office/powerpoint/2010/main" val="1518302756"/>
       </p:ext>
     </p:extLst>
   </p:cSld>

--- a/PLPTH813Bioinformatis/2023/lectures/lecture18_closing.pptx
+++ b/PLPTH813Bioinformatis/2023/lectures/lecture18_closing.pptx
@@ -4113,8 +4113,8 @@
           <a:p>
             <a:r>
               <a:rPr lang="en-US" sz="3200" b="0" i="0" dirty="0">
-                <a:latin typeface="Calibri Light" panose="020F0302020204030204" pitchFamily="34" charset="0"/>
-                <a:cs typeface="Calibri Light" panose="020F0302020204030204" pitchFamily="34" charset="0"/>
+                <a:latin typeface="Calibri" panose="020F0502020204030204" pitchFamily="34" charset="0"/>
+                <a:cs typeface="Calibri" panose="020F0502020204030204" pitchFamily="34" charset="0"/>
               </a:rPr>
               <a:t>Goal</a:t>
             </a:r>
@@ -4247,8 +4247,8 @@
           <a:p>
             <a:r>
               <a:rPr lang="en-US" sz="4000" b="0" i="0" dirty="0">
-                <a:latin typeface="Calibri Light" panose="020F0302020204030204" pitchFamily="34" charset="0"/>
-                <a:cs typeface="Calibri Light" panose="020F0302020204030204" pitchFamily="34" charset="0"/>
+                <a:latin typeface="Calibri" panose="020F0502020204030204" pitchFamily="34" charset="0"/>
+                <a:cs typeface="Calibri" panose="020F0502020204030204" pitchFamily="34" charset="0"/>
               </a:rPr>
               <a:t>Lecture topics</a:t>
             </a:r>
